--- a/docs/diagrams/ListMonthSequenceDiagram.pptx
+++ b/docs/diagrams/ListMonthSequenceDiagram.pptx
@@ -5,10 +5,11 @@
     <p:sldMasterId id="2147483648" r:id="rId1"/>
   </p:sldMasterIdLst>
   <p:notesMasterIdLst>
-    <p:notesMasterId r:id="rId3"/>
+    <p:notesMasterId r:id="rId4"/>
   </p:notesMasterIdLst>
   <p:sldIdLst>
     <p:sldId id="267" r:id="rId2"/>
+    <p:sldId id="268" r:id="rId3"/>
   </p:sldIdLst>
   <p:sldSz cx="9144000" cy="6858000" type="screen4x3"/>
   <p:notesSz cx="6858000" cy="9144000"/>
@@ -208,7 +209,7 @@
           <a:p>
             <a:fld id="{F5CC4B3F-88C1-4FFA-B1B6-F41C21DC6924}" type="datetimeFigureOut">
               <a:rPr lang="en-US" smtClean="0"/>
-              <a:t>11/2/18</a:t>
+              <a:t>11/11/18</a:t>
             </a:fld>
             <a:endParaRPr lang="en-US"/>
           </a:p>
@@ -475,6 +476,90 @@
 </p:notesMaster>
 </file>
 
+<file path=ppt/notesSlides/notesSlide1.xml><?xml version="1.0" encoding="utf-8"?>
+<p:notes xmlns:a="http://schemas.openxmlformats.org/drawingml/2006/main" xmlns:r="http://schemas.openxmlformats.org/officeDocument/2006/relationships" xmlns:p="http://schemas.openxmlformats.org/presentationml/2006/main">
+  <p:cSld>
+    <p:spTree>
+      <p:nvGrpSpPr>
+        <p:cNvPr id="1" name=""/>
+        <p:cNvGrpSpPr/>
+        <p:nvPr/>
+      </p:nvGrpSpPr>
+      <p:grpSpPr>
+        <a:xfrm>
+          <a:off x="0" y="0"/>
+          <a:ext cx="0" cy="0"/>
+          <a:chOff x="0" y="0"/>
+          <a:chExt cx="0" cy="0"/>
+        </a:xfrm>
+      </p:grpSpPr>
+      <p:sp>
+        <p:nvSpPr>
+          <p:cNvPr id="2" name="Slide Image Placeholder 1"/>
+          <p:cNvSpPr>
+            <a:spLocks noGrp="1" noRot="1" noChangeAspect="1"/>
+          </p:cNvSpPr>
+          <p:nvPr>
+            <p:ph type="sldImg"/>
+          </p:nvPr>
+        </p:nvSpPr>
+        <p:spPr/>
+      </p:sp>
+      <p:sp>
+        <p:nvSpPr>
+          <p:cNvPr id="3" name="Notes Placeholder 2"/>
+          <p:cNvSpPr>
+            <a:spLocks noGrp="1"/>
+          </p:cNvSpPr>
+          <p:nvPr>
+            <p:ph type="body" idx="1"/>
+          </p:nvPr>
+        </p:nvSpPr>
+        <p:spPr/>
+        <p:txBody>
+          <a:bodyPr/>
+          <a:lstStyle/>
+          <a:p>
+            <a:endParaRPr lang="en-US" dirty="0"/>
+          </a:p>
+        </p:txBody>
+      </p:sp>
+      <p:sp>
+        <p:nvSpPr>
+          <p:cNvPr id="4" name="Slide Number Placeholder 3"/>
+          <p:cNvSpPr>
+            <a:spLocks noGrp="1"/>
+          </p:cNvSpPr>
+          <p:nvPr>
+            <p:ph type="sldNum" sz="quarter" idx="5"/>
+          </p:nvPr>
+        </p:nvSpPr>
+        <p:spPr/>
+        <p:txBody>
+          <a:bodyPr/>
+          <a:lstStyle/>
+          <a:p>
+            <a:fld id="{5A7AB025-77E3-4BD1-A2FD-B3183DBA47A3}" type="slidenum">
+              <a:rPr lang="en-US" smtClean="0"/>
+              <a:t>1</a:t>
+            </a:fld>
+            <a:endParaRPr lang="en-US"/>
+          </a:p>
+        </p:txBody>
+      </p:sp>
+    </p:spTree>
+    <p:extLst>
+      <p:ext uri="{BB962C8B-B14F-4D97-AF65-F5344CB8AC3E}">
+        <p14:creationId xmlns:p14="http://schemas.microsoft.com/office/powerpoint/2010/main" val="3041539847"/>
+      </p:ext>
+    </p:extLst>
+  </p:cSld>
+  <p:clrMapOvr>
+    <a:masterClrMapping/>
+  </p:clrMapOvr>
+</p:notes>
+</file>
+
 <file path=ppt/slideLayouts/slideLayout1.xml><?xml version="1.0" encoding="utf-8"?>
 <p:sldLayout xmlns:a="http://schemas.openxmlformats.org/drawingml/2006/main" xmlns:r="http://schemas.openxmlformats.org/officeDocument/2006/relationships" xmlns:p="http://schemas.openxmlformats.org/presentationml/2006/main" type="title" preserve="1">
   <p:cSld name="Title Slide">
@@ -654,7 +739,7 @@
           <a:p>
             <a:fld id="{78C97017-6FC3-485B-9764-EAC9E56C1D49}" type="datetimeFigureOut">
               <a:rPr lang="en-US" smtClean="0"/>
-              <a:t>11/2/18</a:t>
+              <a:t>11/11/18</a:t>
             </a:fld>
             <a:endParaRPr lang="en-US"/>
           </a:p>
@@ -822,7 +907,7 @@
           <a:p>
             <a:fld id="{78C97017-6FC3-485B-9764-EAC9E56C1D49}" type="datetimeFigureOut">
               <a:rPr lang="en-US" smtClean="0"/>
-              <a:t>11/2/18</a:t>
+              <a:t>11/11/18</a:t>
             </a:fld>
             <a:endParaRPr lang="en-US"/>
           </a:p>
@@ -1000,7 +1085,7 @@
           <a:p>
             <a:fld id="{78C97017-6FC3-485B-9764-EAC9E56C1D49}" type="datetimeFigureOut">
               <a:rPr lang="en-US" smtClean="0"/>
-              <a:t>11/2/18</a:t>
+              <a:t>11/11/18</a:t>
             </a:fld>
             <a:endParaRPr lang="en-US"/>
           </a:p>
@@ -1168,7 +1253,7 @@
           <a:p>
             <a:fld id="{78C97017-6FC3-485B-9764-EAC9E56C1D49}" type="datetimeFigureOut">
               <a:rPr lang="en-US" smtClean="0"/>
-              <a:t>11/2/18</a:t>
+              <a:t>11/11/18</a:t>
             </a:fld>
             <a:endParaRPr lang="en-US"/>
           </a:p>
@@ -1413,7 +1498,7 @@
           <a:p>
             <a:fld id="{78C97017-6FC3-485B-9764-EAC9E56C1D49}" type="datetimeFigureOut">
               <a:rPr lang="en-US" smtClean="0"/>
-              <a:t>11/2/18</a:t>
+              <a:t>11/11/18</a:t>
             </a:fld>
             <a:endParaRPr lang="en-US"/>
           </a:p>
@@ -1698,7 +1783,7 @@
           <a:p>
             <a:fld id="{78C97017-6FC3-485B-9764-EAC9E56C1D49}" type="datetimeFigureOut">
               <a:rPr lang="en-US" smtClean="0"/>
-              <a:t>11/2/18</a:t>
+              <a:t>11/11/18</a:t>
             </a:fld>
             <a:endParaRPr lang="en-US"/>
           </a:p>
@@ -2117,7 +2202,7 @@
           <a:p>
             <a:fld id="{78C97017-6FC3-485B-9764-EAC9E56C1D49}" type="datetimeFigureOut">
               <a:rPr lang="en-US" smtClean="0"/>
-              <a:t>11/2/18</a:t>
+              <a:t>11/11/18</a:t>
             </a:fld>
             <a:endParaRPr lang="en-US"/>
           </a:p>
@@ -2234,7 +2319,7 @@
           <a:p>
             <a:fld id="{78C97017-6FC3-485B-9764-EAC9E56C1D49}" type="datetimeFigureOut">
               <a:rPr lang="en-US" smtClean="0"/>
-              <a:t>11/2/18</a:t>
+              <a:t>11/11/18</a:t>
             </a:fld>
             <a:endParaRPr lang="en-US"/>
           </a:p>
@@ -2329,7 +2414,7 @@
           <a:p>
             <a:fld id="{78C97017-6FC3-485B-9764-EAC9E56C1D49}" type="datetimeFigureOut">
               <a:rPr lang="en-US" smtClean="0"/>
-              <a:t>11/2/18</a:t>
+              <a:t>11/11/18</a:t>
             </a:fld>
             <a:endParaRPr lang="en-US"/>
           </a:p>
@@ -2604,7 +2689,7 @@
           <a:p>
             <a:fld id="{78C97017-6FC3-485B-9764-EAC9E56C1D49}" type="datetimeFigureOut">
               <a:rPr lang="en-US" smtClean="0"/>
-              <a:t>11/2/18</a:t>
+              <a:t>11/11/18</a:t>
             </a:fld>
             <a:endParaRPr lang="en-US"/>
           </a:p>
@@ -2856,7 +2941,7 @@
           <a:p>
             <a:fld id="{78C97017-6FC3-485B-9764-EAC9E56C1D49}" type="datetimeFigureOut">
               <a:rPr lang="en-US" smtClean="0"/>
-              <a:t>11/2/18</a:t>
+              <a:t>11/11/18</a:t>
             </a:fld>
             <a:endParaRPr lang="en-US"/>
           </a:p>
@@ -3067,7 +3152,7 @@
           <a:p>
             <a:fld id="{78C97017-6FC3-485B-9764-EAC9E56C1D49}" type="datetimeFigureOut">
               <a:rPr lang="en-US" smtClean="0"/>
-              <a:t>11/2/18</a:t>
+              <a:t>11/11/18</a:t>
             </a:fld>
             <a:endParaRPr lang="en-US"/>
           </a:p>
@@ -3444,10 +3529,10 @@
       </p:grpSpPr>
       <p:sp>
         <p:nvSpPr>
-          <p:cNvPr id="46" name="Rectangle 65">
+          <p:cNvPr id="54" name="Rectangle 65">
             <a:extLst>
               <a:ext uri="{FF2B5EF4-FFF2-40B4-BE49-F238E27FC236}">
-                <a16:creationId xmlns:a16="http://schemas.microsoft.com/office/drawing/2014/main" id="{9A8B3FD9-F59D-4C43-A079-39A761E4F82F}"/>
+                <a16:creationId xmlns:a16="http://schemas.microsoft.com/office/drawing/2014/main" id="{841E1329-C7C5-2A47-B68D-C9B029FAB8B4}"/>
               </a:ext>
             </a:extLst>
           </p:cNvPr>
@@ -3456,8 +3541,75 @@
         </p:nvSpPr>
         <p:spPr>
           <a:xfrm>
-            <a:off x="189709" y="586027"/>
-            <a:ext cx="8534400" cy="5125642"/>
+            <a:off x="6989867" y="541317"/>
+            <a:ext cx="1805499" cy="5125642"/>
+          </a:xfrm>
+          <a:prstGeom prst="roundRect">
+            <a:avLst>
+              <a:gd name="adj" fmla="val 3484"/>
+            </a:avLst>
+          </a:prstGeom>
+          <a:solidFill>
+            <a:schemeClr val="accent4">
+              <a:lumMod val="20000"/>
+              <a:lumOff val="80000"/>
+            </a:schemeClr>
+          </a:solidFill>
+          <a:ln w="19050">
+            <a:noFill/>
+          </a:ln>
+          <a:effectLst/>
+        </p:spPr>
+        <p:style>
+          <a:lnRef idx="1">
+            <a:schemeClr val="accent2"/>
+          </a:lnRef>
+          <a:fillRef idx="2">
+            <a:schemeClr val="accent2"/>
+          </a:fillRef>
+          <a:effectRef idx="1">
+            <a:schemeClr val="accent2"/>
+          </a:effectRef>
+          <a:fontRef idx="minor">
+            <a:schemeClr val="dk1"/>
+          </a:fontRef>
+        </p:style>
+        <p:txBody>
+          <a:bodyPr rtlCol="0" anchor="t"/>
+          <a:lstStyle/>
+          <a:p>
+            <a:r>
+              <a:rPr lang="en-US" sz="1100" b="1" dirty="0">
+                <a:solidFill>
+                  <a:srgbClr val="7030A0"/>
+                </a:solidFill>
+              </a:rPr>
+              <a:t>Model</a:t>
+            </a:r>
+            <a:endParaRPr lang="en-SG" sz="1100" b="1" dirty="0">
+              <a:solidFill>
+                <a:srgbClr val="7030A0"/>
+              </a:solidFill>
+            </a:endParaRPr>
+          </a:p>
+        </p:txBody>
+      </p:sp>
+      <p:sp>
+        <p:nvSpPr>
+          <p:cNvPr id="53" name="Rectangle 65">
+            <a:extLst>
+              <a:ext uri="{FF2B5EF4-FFF2-40B4-BE49-F238E27FC236}">
+                <a16:creationId xmlns:a16="http://schemas.microsoft.com/office/drawing/2014/main" id="{CEF5DA1A-CFAE-6044-BBE4-DCCE88B53939}"/>
+              </a:ext>
+            </a:extLst>
+          </p:cNvPr>
+          <p:cNvSpPr/>
+          <p:nvPr/>
+        </p:nvSpPr>
+        <p:spPr>
+          <a:xfrm>
+            <a:off x="276379" y="541317"/>
+            <a:ext cx="6639009" cy="5125642"/>
           </a:xfrm>
           <a:prstGeom prst="roundRect">
             <a:avLst>
@@ -3517,7 +3669,7 @@
         </p:nvSpPr>
         <p:spPr>
           <a:xfrm>
-            <a:off x="1012846" y="1040393"/>
+            <a:off x="1068465" y="762000"/>
             <a:ext cx="1093637" cy="286578"/>
           </a:xfrm>
           <a:prstGeom prst="rect">
@@ -3586,7 +3738,7 @@
         </p:nvCxnSpPr>
         <p:spPr>
           <a:xfrm flipH="1">
-            <a:off x="1519757" y="1337984"/>
+            <a:off x="1575376" y="1059591"/>
             <a:ext cx="4945" cy="2761546"/>
           </a:xfrm>
           <a:prstGeom prst="line">
@@ -3623,7 +3775,7 @@
         </p:nvSpPr>
         <p:spPr>
           <a:xfrm>
-            <a:off x="1453461" y="2054756"/>
+            <a:off x="1509080" y="1776363"/>
             <a:ext cx="114374" cy="3507844"/>
           </a:xfrm>
           <a:prstGeom prst="rect">
@@ -3670,7 +3822,7 @@
         </p:nvSpPr>
         <p:spPr>
           <a:xfrm>
-            <a:off x="2365173" y="1082386"/>
+            <a:off x="2420792" y="803993"/>
             <a:ext cx="1620356" cy="244585"/>
           </a:xfrm>
           <a:prstGeom prst="rect">
@@ -3737,7 +3889,7 @@
         </p:nvCxnSpPr>
         <p:spPr>
           <a:xfrm>
-            <a:off x="2834872" y="1337984"/>
+            <a:off x="2890491" y="1059591"/>
             <a:ext cx="0" cy="1401139"/>
           </a:xfrm>
           <a:prstGeom prst="line">
@@ -3774,7 +3926,7 @@
         </p:nvSpPr>
         <p:spPr>
           <a:xfrm>
-            <a:off x="2769159" y="2215410"/>
+            <a:off x="2824778" y="1937017"/>
             <a:ext cx="131426" cy="933438"/>
           </a:xfrm>
           <a:prstGeom prst="rect">
@@ -3827,7 +3979,7 @@
         </p:nvCxnSpPr>
         <p:spPr>
           <a:xfrm>
-            <a:off x="4950047" y="2917528"/>
+            <a:off x="4606090" y="2639135"/>
             <a:ext cx="0" cy="2189241"/>
           </a:xfrm>
           <a:prstGeom prst="line">
@@ -3864,7 +4016,7 @@
         </p:nvCxnSpPr>
         <p:spPr>
           <a:xfrm>
-            <a:off x="612100" y="2160143"/>
+            <a:off x="667719" y="1881750"/>
             <a:ext cx="841360" cy="0"/>
           </a:xfrm>
           <a:prstGeom prst="straightConnector1">
@@ -3900,7 +4052,7 @@
         </p:nvCxnSpPr>
         <p:spPr>
           <a:xfrm flipV="1">
-            <a:off x="1578763" y="2280051"/>
+            <a:off x="1634382" y="2001658"/>
             <a:ext cx="1199485" cy="1"/>
           </a:xfrm>
           <a:prstGeom prst="straightConnector1">
@@ -3936,7 +4088,7 @@
         </p:nvSpPr>
         <p:spPr>
           <a:xfrm>
-            <a:off x="172981" y="1993420"/>
+            <a:off x="228600" y="1715027"/>
             <a:ext cx="1269552" cy="153888"/>
           </a:xfrm>
           <a:prstGeom prst="rect">
@@ -3986,7 +4138,7 @@
         </p:nvSpPr>
         <p:spPr>
           <a:xfrm>
-            <a:off x="3248425" y="2760228"/>
+            <a:off x="2752533" y="3031874"/>
             <a:ext cx="642982" cy="127180"/>
           </a:xfrm>
           <a:prstGeom prst="rect">
@@ -4026,7 +4178,7 @@
         </p:nvCxnSpPr>
         <p:spPr>
           <a:xfrm flipV="1">
-            <a:off x="1547282" y="3070900"/>
+            <a:off x="1602901" y="2792507"/>
             <a:ext cx="1199485" cy="4445"/>
           </a:xfrm>
           <a:prstGeom prst="straightConnector1">
@@ -4064,7 +4216,7 @@
         </p:nvCxnSpPr>
         <p:spPr>
           <a:xfrm>
-            <a:off x="554849" y="5536534"/>
+            <a:off x="610468" y="5258141"/>
             <a:ext cx="898611" cy="0"/>
           </a:xfrm>
           <a:prstGeom prst="straightConnector1">
@@ -4102,7 +4254,7 @@
         </p:nvSpPr>
         <p:spPr>
           <a:xfrm>
-            <a:off x="7760167" y="2109939"/>
+            <a:off x="7693646" y="1869477"/>
             <a:ext cx="774233" cy="286578"/>
           </a:xfrm>
           <a:prstGeom prst="rect">
@@ -4169,8 +4321,8 @@
         </p:nvCxnSpPr>
         <p:spPr>
           <a:xfrm>
-            <a:off x="1519757" y="3494763"/>
-            <a:ext cx="2937152" cy="0"/>
+            <a:off x="1575376" y="3232557"/>
+            <a:ext cx="2948971" cy="11948"/>
           </a:xfrm>
           <a:prstGeom prst="straightConnector1">
             <a:avLst/>
@@ -4205,7 +4357,7 @@
         </p:nvSpPr>
         <p:spPr>
           <a:xfrm>
-            <a:off x="4868304" y="3386902"/>
+            <a:off x="4524347" y="3108509"/>
             <a:ext cx="141019" cy="1995108"/>
           </a:xfrm>
           <a:prstGeom prst="rect">
@@ -4254,7 +4406,7 @@
         </p:nvCxnSpPr>
         <p:spPr>
           <a:xfrm>
-            <a:off x="8088833" y="2394397"/>
+            <a:off x="8101066" y="2116004"/>
             <a:ext cx="0" cy="2187050"/>
           </a:xfrm>
           <a:prstGeom prst="line">
@@ -4294,7 +4446,7 @@
         </p:nvSpPr>
         <p:spPr>
           <a:xfrm>
-            <a:off x="7969750" y="4556074"/>
+            <a:off x="7981983" y="4277681"/>
             <a:ext cx="177534" cy="217676"/>
           </a:xfrm>
           <a:prstGeom prst="rect">
@@ -4348,13 +4500,14 @@
           <p:cNvPr id="75" name="Straight Arrow Connector 74"/>
           <p:cNvCxnSpPr>
             <a:cxnSpLocks/>
+            <a:endCxn id="73" idx="1"/>
           </p:cNvCxnSpPr>
           <p:nvPr/>
         </p:nvCxnSpPr>
         <p:spPr>
           <a:xfrm>
-            <a:off x="4968580" y="4664912"/>
-            <a:ext cx="3013734" cy="0"/>
+            <a:off x="4648200" y="4386519"/>
+            <a:ext cx="3333783" cy="0"/>
           </a:xfrm>
           <a:prstGeom prst="straightConnector1">
             <a:avLst/>
@@ -4386,13 +4539,14 @@
           <p:cNvPr id="76" name="Straight Arrow Connector 75"/>
           <p:cNvCxnSpPr>
             <a:cxnSpLocks/>
+            <a:endCxn id="73" idx="2"/>
           </p:cNvCxnSpPr>
           <p:nvPr/>
         </p:nvCxnSpPr>
         <p:spPr>
-          <a:xfrm flipV="1">
-            <a:off x="5031791" y="4759375"/>
-            <a:ext cx="2925559" cy="8776"/>
+          <a:xfrm>
+            <a:off x="4711411" y="4489758"/>
+            <a:ext cx="3359339" cy="5599"/>
           </a:xfrm>
           <a:prstGeom prst="straightConnector1">
             <a:avLst/>
@@ -4434,8 +4588,8 @@
         </p:nvCxnSpPr>
         <p:spPr>
           <a:xfrm>
-            <a:off x="1554704" y="5309597"/>
-            <a:ext cx="3348122" cy="15166"/>
+            <a:off x="1610323" y="5031204"/>
+            <a:ext cx="2896267" cy="15166"/>
           </a:xfrm>
           <a:prstGeom prst="straightConnector1">
             <a:avLst/>
@@ -4472,8 +4626,8 @@
         </p:nvSpPr>
         <p:spPr>
           <a:xfrm>
-            <a:off x="6149362" y="4495800"/>
-            <a:ext cx="1738395" cy="127180"/>
+            <a:off x="6705600" y="3994310"/>
+            <a:ext cx="1231133" cy="307777"/>
           </a:xfrm>
           <a:prstGeom prst="rect">
             <a:avLst/>
@@ -4505,6 +4659,13 @@
               </a:rPr>
               <a:t>updateFilteredTaskList</a:t>
             </a:r>
+            <a:endParaRPr lang="en-US" sz="1000" dirty="0">
+              <a:solidFill>
+                <a:srgbClr val="7030A0"/>
+              </a:solidFill>
+            </a:endParaRPr>
+          </a:p>
+          <a:p>
             <a:r>
               <a:rPr lang="en-US" sz="1000" dirty="0">
                 <a:solidFill>
@@ -4540,7 +4701,7 @@
         </p:nvSpPr>
         <p:spPr>
           <a:xfrm>
-            <a:off x="1574960" y="2054227"/>
+            <a:off x="1630579" y="1775834"/>
             <a:ext cx="1070508" cy="153888"/>
           </a:xfrm>
           <a:prstGeom prst="rect">
@@ -4588,7 +4749,7 @@
         </p:nvSpPr>
         <p:spPr>
           <a:xfrm>
-            <a:off x="4197140" y="5125170"/>
+            <a:off x="3923200" y="4838932"/>
             <a:ext cx="466729" cy="127180"/>
           </a:xfrm>
           <a:prstGeom prst="rect">
@@ -4628,7 +4789,7 @@
         </p:nvSpPr>
         <p:spPr>
           <a:xfrm>
-            <a:off x="809844" y="5324763"/>
+            <a:off x="865463" y="5046370"/>
             <a:ext cx="572502" cy="127180"/>
           </a:xfrm>
           <a:prstGeom prst="rect">
@@ -4668,7 +4829,7 @@
         </p:nvSpPr>
         <p:spPr>
           <a:xfrm>
-            <a:off x="6729900" y="4975499"/>
+            <a:off x="4937836" y="4677327"/>
             <a:ext cx="1456827" cy="190873"/>
           </a:xfrm>
           <a:prstGeom prst="rect">
@@ -4735,7 +4896,7 @@
         </p:nvSpPr>
         <p:spPr>
           <a:xfrm>
-            <a:off x="7220907" y="5146532"/>
+            <a:off x="5428843" y="4848360"/>
             <a:ext cx="114500" cy="141633"/>
           </a:xfrm>
           <a:prstGeom prst="rect">
@@ -4784,8 +4945,8 @@
         </p:nvCxnSpPr>
         <p:spPr>
           <a:xfrm>
-            <a:off x="5006993" y="5208951"/>
-            <a:ext cx="2271164" cy="28175"/>
+            <a:off x="4665366" y="4966112"/>
+            <a:ext cx="744834" cy="0"/>
           </a:xfrm>
           <a:prstGeom prst="straightConnector1">
             <a:avLst/>
@@ -4822,7 +4983,7 @@
         </p:nvSpPr>
         <p:spPr>
           <a:xfrm>
-            <a:off x="4364807" y="1566472"/>
+            <a:off x="4020850" y="1288079"/>
             <a:ext cx="1389350" cy="253371"/>
           </a:xfrm>
           <a:prstGeom prst="rect">
@@ -4881,7 +5042,7 @@
         </p:nvSpPr>
         <p:spPr>
           <a:xfrm>
-            <a:off x="4850547" y="1817526"/>
+            <a:off x="4506590" y="1539133"/>
             <a:ext cx="199001" cy="1127342"/>
           </a:xfrm>
           <a:prstGeom prst="rect">
@@ -4925,14 +5086,13 @@
           <p:cNvPr id="51" name="Straight Arrow Connector 50"/>
           <p:cNvCxnSpPr>
             <a:cxnSpLocks/>
-            <a:endCxn id="49" idx="2"/>
           </p:cNvCxnSpPr>
           <p:nvPr/>
         </p:nvCxnSpPr>
         <p:spPr>
           <a:xfrm>
-            <a:off x="2885729" y="2944868"/>
-            <a:ext cx="2064319" cy="0"/>
+            <a:off x="2937857" y="2617942"/>
+            <a:ext cx="1571180" cy="0"/>
           </a:xfrm>
           <a:prstGeom prst="straightConnector1">
             <a:avLst/>
@@ -4971,8 +5131,8 @@
         </p:nvCxnSpPr>
         <p:spPr>
           <a:xfrm>
-            <a:off x="4993527" y="5052337"/>
-            <a:ext cx="1746983" cy="0"/>
+            <a:off x="4673147" y="4773944"/>
+            <a:ext cx="250451" cy="0"/>
           </a:xfrm>
           <a:prstGeom prst="straightConnector1">
             <a:avLst/>
@@ -5007,8 +5167,8 @@
         </p:nvCxnSpPr>
         <p:spPr>
           <a:xfrm>
-            <a:off x="2823200" y="2352260"/>
-            <a:ext cx="2054001" cy="0"/>
+            <a:off x="2878819" y="2073867"/>
+            <a:ext cx="1633709" cy="0"/>
           </a:xfrm>
           <a:prstGeom prst="straightConnector1">
             <a:avLst/>
@@ -5049,7 +5209,7 @@
         </p:nvSpPr>
         <p:spPr>
           <a:xfrm>
-            <a:off x="4915957" y="3510950"/>
+            <a:off x="4572000" y="3232557"/>
             <a:ext cx="105246" cy="708743"/>
           </a:xfrm>
           <a:prstGeom prst="rect">
@@ -5102,8 +5262,8 @@
         </p:nvSpPr>
         <p:spPr>
           <a:xfrm>
-            <a:off x="5169552" y="3307886"/>
-            <a:ext cx="2937286" cy="153888"/>
+            <a:off x="4847316" y="2959334"/>
+            <a:ext cx="2937286" cy="338555"/>
           </a:xfrm>
           <a:prstGeom prst="rect">
             <a:avLst/>
@@ -5145,7 +5305,14 @@
             </a:r>
             <a:r>
               <a:rPr lang="en-US" sz="1000" dirty="0"/>
-              <a:t>, </a:t>
+              <a:t>,</a:t>
+            </a:r>
+          </a:p>
+          <a:p>
+            <a:pPr algn="l"/>
+            <a:r>
+              <a:rPr lang="en-US" sz="1000" dirty="0"/>
+              <a:t> </a:t>
             </a:r>
             <a:r>
               <a:rPr lang="en-US" sz="1000" dirty="0" err="1"/>
@@ -5153,7 +5320,15 @@
             </a:r>
             <a:r>
               <a:rPr lang="en-US" sz="1000" dirty="0"/>
-              <a:t>(m))</a:t>
+              <a:t>(</a:t>
+            </a:r>
+            <a:r>
+              <a:rPr lang="en-US" sz="1000" dirty="0" err="1"/>
+              <a:t>currentDay</a:t>
+            </a:r>
+            <a:r>
+              <a:rPr lang="en-US" sz="1000" dirty="0"/>
+              <a:t>))</a:t>
             </a:r>
           </a:p>
         </p:txBody>
@@ -5172,8 +5347,8 @@
         </p:nvSpPr>
         <p:spPr>
           <a:xfrm>
-            <a:off x="5023371" y="3332983"/>
-            <a:ext cx="103679" cy="116005"/>
+            <a:off x="4715156" y="3104138"/>
+            <a:ext cx="103679" cy="140367"/>
           </a:xfrm>
           <a:custGeom>
             <a:avLst/>
@@ -5290,8 +5465,8 @@
         </p:nvSpPr>
         <p:spPr>
           <a:xfrm>
-            <a:off x="5006993" y="4223930"/>
-            <a:ext cx="118614" cy="119470"/>
+            <a:off x="4681986" y="3878862"/>
+            <a:ext cx="118614" cy="174917"/>
           </a:xfrm>
           <a:custGeom>
             <a:avLst/>
@@ -5399,7 +5574,7 @@
         </p:nvSpPr>
         <p:spPr>
           <a:xfrm>
-            <a:off x="4978622" y="3678898"/>
+            <a:off x="4634665" y="3400505"/>
             <a:ext cx="76606" cy="361903"/>
           </a:xfrm>
           <a:prstGeom prst="rect">
@@ -5452,8 +5627,8 @@
         </p:nvSpPr>
         <p:spPr>
           <a:xfrm>
-            <a:off x="5074534" y="3580100"/>
-            <a:ext cx="190037" cy="104073"/>
+            <a:off x="4724400" y="3352800"/>
+            <a:ext cx="117997" cy="104073"/>
           </a:xfrm>
           <a:custGeom>
             <a:avLst/>
@@ -5570,8 +5745,8 @@
         </p:nvSpPr>
         <p:spPr>
           <a:xfrm>
-            <a:off x="5064939" y="4012397"/>
-            <a:ext cx="132070" cy="86456"/>
+            <a:off x="4724400" y="3671514"/>
+            <a:ext cx="132070" cy="126580"/>
           </a:xfrm>
           <a:custGeom>
             <a:avLst/>
@@ -5679,8 +5854,8 @@
         </p:nvSpPr>
         <p:spPr>
           <a:xfrm>
-            <a:off x="5144557" y="3554443"/>
-            <a:ext cx="1676400" cy="204826"/>
+            <a:off x="4911372" y="3324564"/>
+            <a:ext cx="1978995" cy="153888"/>
           </a:xfrm>
           <a:prstGeom prst="rect">
             <a:avLst/>
@@ -5710,7 +5885,15 @@
             </a:r>
             <a:r>
               <a:rPr lang="en-US" sz="1000" dirty="0"/>
-              <a:t>(m))</a:t>
+              <a:t>(</a:t>
+            </a:r>
+            <a:r>
+              <a:rPr lang="en-US" sz="1000" dirty="0" err="1"/>
+              <a:t>currentDay</a:t>
+            </a:r>
+            <a:r>
+              <a:rPr lang="en-US" sz="1000" dirty="0"/>
+              <a:t>)</a:t>
             </a:r>
           </a:p>
         </p:txBody>
@@ -5729,8 +5912,8 @@
         </p:nvSpPr>
         <p:spPr>
           <a:xfrm>
-            <a:off x="5065841" y="4216220"/>
-            <a:ext cx="535916" cy="127180"/>
+            <a:off x="4885018" y="3886199"/>
+            <a:ext cx="448982" cy="153888"/>
           </a:xfrm>
           <a:prstGeom prst="rect">
             <a:avLst/>
@@ -5776,8 +5959,8 @@
         </p:nvSpPr>
         <p:spPr>
           <a:xfrm>
-            <a:off x="4611157" y="3962400"/>
-            <a:ext cx="1114055" cy="153888"/>
+            <a:off x="4911372" y="3641442"/>
+            <a:ext cx="498828" cy="186205"/>
           </a:xfrm>
           <a:prstGeom prst="rect">
             <a:avLst/>
@@ -5813,6 +5996,36 @@
     <p:extLst>
       <p:ext uri="{BB962C8B-B14F-4D97-AF65-F5344CB8AC3E}">
         <p14:creationId xmlns:p14="http://schemas.microsoft.com/office/powerpoint/2010/main" val="3945898909"/>
+      </p:ext>
+    </p:extLst>
+  </p:cSld>
+  <p:clrMapOvr>
+    <a:masterClrMapping/>
+  </p:clrMapOvr>
+</p:sld>
+</file>
+
+<file path=ppt/slides/slide2.xml><?xml version="1.0" encoding="utf-8"?>
+<p:sld xmlns:a="http://schemas.openxmlformats.org/drawingml/2006/main" xmlns:r="http://schemas.openxmlformats.org/officeDocument/2006/relationships" xmlns:p="http://schemas.openxmlformats.org/presentationml/2006/main">
+  <p:cSld>
+    <p:spTree>
+      <p:nvGrpSpPr>
+        <p:cNvPr id="1" name=""/>
+        <p:cNvGrpSpPr/>
+        <p:nvPr/>
+      </p:nvGrpSpPr>
+      <p:grpSpPr>
+        <a:xfrm>
+          <a:off x="0" y="0"/>
+          <a:ext cx="0" cy="0"/>
+          <a:chOff x="0" y="0"/>
+          <a:chExt cx="0" cy="0"/>
+        </a:xfrm>
+      </p:grpSpPr>
+    </p:spTree>
+    <p:extLst>
+      <p:ext uri="{BB962C8B-B14F-4D97-AF65-F5344CB8AC3E}">
+        <p14:creationId xmlns:p14="http://schemas.microsoft.com/office/powerpoint/2010/main" val="3507719143"/>
       </p:ext>
     </p:extLst>
   </p:cSld>
